--- a/Präsentation/Zwischenpräsentation.pptx
+++ b/Präsentation/Zwischenpräsentation.pptx
@@ -119,6 +119,22 @@
       </a:defRPr>
     </a:lvl9pPr>
   </p:defaultTextStyle>
+  <p:extLst>
+    <p:ext uri="{EFAFB233-063F-42B5-8137-9DF3F51BA10A}">
+      <p15:sldGuideLst xmlns:p15="http://schemas.microsoft.com/office/powerpoint/2012/main">
+        <p15:guide id="1" orient="horz" pos="2160">
+          <p15:clr>
+            <a:srgbClr val="A4A3A4"/>
+          </p15:clr>
+        </p15:guide>
+        <p15:guide id="2" pos="2880">
+          <p15:clr>
+            <a:srgbClr val="A4A3A4"/>
+          </p15:clr>
+        </p15:guide>
+      </p15:sldGuideLst>
+    </p:ext>
+  </p:extLst>
 </p:presentation>
 </file>
 
@@ -374,6 +390,11 @@
         </p:txBody>
       </p:sp>
     </p:spTree>
+    <p:extLst>
+      <p:ext uri="{BB962C8B-B14F-4D97-AF65-F5344CB8AC3E}">
+        <p14:creationId xmlns:p14="http://schemas.microsoft.com/office/powerpoint/2010/main" val="1703340137"/>
+      </p:ext>
+    </p:extLst>
   </p:cSld>
   <p:clrMap bg1="lt1" tx1="dk1" bg2="lt2" tx2="dk2" accent1="accent1" accent2="accent2" accent3="accent3" accent4="accent4" accent5="accent5" accent6="accent6" hlink="hlink" folHlink="folHlink"/>
   <p:notesStyle>
@@ -546,6 +567,11 @@
         </p:txBody>
       </p:sp>
     </p:spTree>
+    <p:extLst>
+      <p:ext uri="{BB962C8B-B14F-4D97-AF65-F5344CB8AC3E}">
+        <p14:creationId xmlns:p14="http://schemas.microsoft.com/office/powerpoint/2010/main" val="2736122291"/>
+      </p:ext>
+    </p:extLst>
   </p:cSld>
   <p:clrMapOvr>
     <a:masterClrMapping/>
@@ -690,6 +716,11 @@
         </p:txBody>
       </p:sp>
     </p:spTree>
+    <p:extLst>
+      <p:ext uri="{BB962C8B-B14F-4D97-AF65-F5344CB8AC3E}">
+        <p14:creationId xmlns:p14="http://schemas.microsoft.com/office/powerpoint/2010/main" val="3878124507"/>
+      </p:ext>
+    </p:extLst>
   </p:cSld>
   <p:clrMapOvr>
     <a:masterClrMapping/>
@@ -799,6 +830,96 @@
         </p:txBody>
       </p:sp>
     </p:spTree>
+    <p:extLst>
+      <p:ext uri="{BB962C8B-B14F-4D97-AF65-F5344CB8AC3E}">
+        <p14:creationId xmlns:p14="http://schemas.microsoft.com/office/powerpoint/2010/main" val="104560203"/>
+      </p:ext>
+    </p:extLst>
+  </p:cSld>
+  <p:clrMapOvr>
+    <a:masterClrMapping/>
+  </p:clrMapOvr>
+</p:notes>
+</file>
+
+<file path=ppt/notesSlides/notesSlide4.xml><?xml version="1.0" encoding="utf-8"?>
+<p:notes xmlns:a="http://schemas.openxmlformats.org/drawingml/2006/main" xmlns:r="http://schemas.openxmlformats.org/officeDocument/2006/relationships" xmlns:p="http://schemas.openxmlformats.org/presentationml/2006/main">
+  <p:cSld>
+    <p:spTree>
+      <p:nvGrpSpPr>
+        <p:cNvPr id="1" name=""/>
+        <p:cNvGrpSpPr/>
+        <p:nvPr/>
+      </p:nvGrpSpPr>
+      <p:grpSpPr>
+        <a:xfrm>
+          <a:off x="0" y="0"/>
+          <a:ext cx="0" cy="0"/>
+          <a:chOff x="0" y="0"/>
+          <a:chExt cx="0" cy="0"/>
+        </a:xfrm>
+      </p:grpSpPr>
+      <p:sp>
+        <p:nvSpPr>
+          <p:cNvPr id="2" name="Folienbildplatzhalter 1"/>
+          <p:cNvSpPr>
+            <a:spLocks noGrp="1" noRot="1" noChangeAspect="1"/>
+          </p:cNvSpPr>
+          <p:nvPr>
+            <p:ph type="sldImg"/>
+          </p:nvPr>
+        </p:nvSpPr>
+        <p:spPr/>
+      </p:sp>
+      <p:sp>
+        <p:nvSpPr>
+          <p:cNvPr id="3" name="Notizenplatzhalter 2"/>
+          <p:cNvSpPr>
+            <a:spLocks noGrp="1"/>
+          </p:cNvSpPr>
+          <p:nvPr>
+            <p:ph type="body" idx="1"/>
+          </p:nvPr>
+        </p:nvSpPr>
+        <p:spPr/>
+        <p:txBody>
+          <a:bodyPr/>
+          <a:lstStyle/>
+          <a:p>
+            <a:endParaRPr lang="de-DE" dirty="0"/>
+          </a:p>
+        </p:txBody>
+      </p:sp>
+      <p:sp>
+        <p:nvSpPr>
+          <p:cNvPr id="4" name="Foliennummernplatzhalter 3"/>
+          <p:cNvSpPr>
+            <a:spLocks noGrp="1"/>
+          </p:cNvSpPr>
+          <p:nvPr>
+            <p:ph type="sldNum" sz="quarter" idx="10"/>
+          </p:nvPr>
+        </p:nvSpPr>
+        <p:spPr/>
+        <p:txBody>
+          <a:bodyPr/>
+          <a:lstStyle/>
+          <a:p>
+            <a:fld id="{18386D1E-F309-4B8F-B111-2DD54D228A85}" type="slidenum">
+              <a:rPr lang="de-DE" smtClean="0"/>
+              <a:pPr/>
+              <a:t>10</a:t>
+            </a:fld>
+            <a:endParaRPr lang="de-DE"/>
+          </a:p>
+        </p:txBody>
+      </p:sp>
+    </p:spTree>
+    <p:extLst>
+      <p:ext uri="{BB962C8B-B14F-4D97-AF65-F5344CB8AC3E}">
+        <p14:creationId xmlns:p14="http://schemas.microsoft.com/office/powerpoint/2010/main" val="2944168036"/>
+      </p:ext>
+    </p:extLst>
   </p:cSld>
   <p:clrMapOvr>
     <a:masterClrMapping/>
@@ -7147,15 +7268,7 @@
           <a:p>
             <a:r>
               <a:rPr lang="de-DE" dirty="0" smtClean="0"/>
-              <a:t>Richtiger </a:t>
-            </a:r>
-            <a:r>
-              <a:rPr lang="de-DE" dirty="0" smtClean="0"/>
-              <a:t>SARSA-Lambda </a:t>
-            </a:r>
-            <a:r>
-              <a:rPr lang="de-DE" dirty="0" smtClean="0"/>
-              <a:t>Algorithmus:</a:t>
+              <a:t>Richtiger SARSA-Lambda Algorithmus:</a:t>
             </a:r>
           </a:p>
           <a:p>
@@ -8238,7 +8351,12 @@
             <p:ph idx="1"/>
           </p:nvPr>
         </p:nvSpPr>
-        <p:spPr/>
+        <p:spPr>
+          <a:xfrm>
+            <a:off x="457200" y="1481328"/>
+            <a:ext cx="4114800" cy="4525963"/>
+          </a:xfrm>
+        </p:spPr>
         <p:txBody>
           <a:bodyPr/>
           <a:lstStyle/>
@@ -8278,11 +8396,7 @@
           <a:p>
             <a:r>
               <a:rPr lang="de-DE" dirty="0" smtClean="0"/>
-              <a:t>Lernalgorithmus – </a:t>
-            </a:r>
-            <a:r>
-              <a:rPr lang="de-DE" dirty="0" smtClean="0"/>
-              <a:t>SARSA(</a:t>
+              <a:t>Lernalgorithmus – SARSA(</a:t>
             </a:r>
             <a:r>
               <a:rPr lang="el-GR" dirty="0" smtClean="0"/>
@@ -8336,7 +8450,7 @@
         </p:blipFill>
         <p:spPr>
           <a:xfrm>
-            <a:off x="4907287" y="2365846"/>
+            <a:off x="4572000" y="2060848"/>
             <a:ext cx="3992893" cy="1497335"/>
           </a:xfrm>
           <a:prstGeom prst="rect">
@@ -8394,7 +8508,7 @@
     </p:spTree>
     <p:extLst>
       <p:ext uri="{BB962C8B-B14F-4D97-AF65-F5344CB8AC3E}">
-        <p14:creationId xmlns:p14="http://schemas.microsoft.com/office/powerpoint/2010/main" xmlns="" val="2766587155"/>
+        <p14:creationId xmlns:p14="http://schemas.microsoft.com/office/powerpoint/2010/main" val="2766587155"/>
       </p:ext>
     </p:extLst>
   </p:cSld>
@@ -8563,11 +8677,7 @@
             </a:pPr>
             <a:r>
               <a:rPr lang="de-DE" dirty="0" smtClean="0"/>
-              <a:t>Abstraktion</a:t>
-            </a:r>
-            <a:r>
-              <a:rPr lang="de-DE" dirty="0" smtClean="0"/>
-              <a:t>: Zielen</a:t>
+              <a:t>Abstraktion: Zielen</a:t>
             </a:r>
           </a:p>
           <a:p>
@@ -8777,22 +8887,14 @@
             <a:pPr lvl="1"/>
             <a:r>
               <a:rPr lang="de-DE" dirty="0" smtClean="0"/>
-              <a:t>2x 8 </a:t>
-            </a:r>
-            <a:r>
-              <a:rPr lang="de-DE" dirty="0" smtClean="0"/>
-              <a:t>Himmelsrichtungen </a:t>
+              <a:t>2x 8 Himmelsrichtungen </a:t>
             </a:r>
           </a:p>
           <a:p>
             <a:pPr lvl="1"/>
             <a:r>
               <a:rPr lang="de-DE" dirty="0" smtClean="0"/>
-              <a:t>3 </a:t>
-            </a:r>
-            <a:r>
-              <a:rPr lang="de-DE" dirty="0" smtClean="0"/>
-              <a:t>Distanz-Zonen zum Gegner</a:t>
+              <a:t>3 Distanz-Zonen zum Gegner</a:t>
             </a:r>
           </a:p>
           <a:p>
@@ -8871,7 +8973,7 @@
         </p:nvSpPr>
         <p:spPr>
           <a:xfrm>
-            <a:off x="6936751" y="1844824"/>
+            <a:off x="6936751" y="1484784"/>
             <a:ext cx="1667697" cy="720080"/>
           </a:xfrm>
           <a:prstGeom prst="roundRect">
@@ -8921,7 +9023,7 @@
         </p:nvSpPr>
         <p:spPr>
           <a:xfrm>
-            <a:off x="6936751" y="4149080"/>
+            <a:off x="6936751" y="3861048"/>
             <a:ext cx="1667697" cy="720080"/>
           </a:xfrm>
           <a:prstGeom prst="roundRect">
@@ -9374,7 +9476,15 @@
           <a:p>
             <a:r>
               <a:rPr lang="de-DE" dirty="0" smtClean="0"/>
-              <a:t>Lernt nicht gegen die Wand  zu fahren</a:t>
+              <a:t>Lernt </a:t>
+            </a:r>
+            <a:r>
+              <a:rPr lang="de-DE" dirty="0" smtClean="0"/>
+              <a:t>ein bisschen </a:t>
+            </a:r>
+            <a:r>
+              <a:rPr lang="de-DE" dirty="0" smtClean="0"/>
+              <a:t>gegen die Wand  zu fahren</a:t>
             </a:r>
           </a:p>
           <a:p>
@@ -9386,7 +9496,11 @@
           <a:p>
             <a:r>
               <a:rPr lang="de-DE" dirty="0" smtClean="0"/>
-              <a:t>Gegen einfache Gegner schießt der Robot weniger gegen die Wand</a:t>
+              <a:t>Robot schießt nicht </a:t>
+            </a:r>
+            <a:r>
+              <a:rPr lang="de-DE" dirty="0" smtClean="0"/>
+              <a:t>weniger gegen die Wand</a:t>
             </a:r>
           </a:p>
           <a:p>
@@ -9411,7 +9525,11 @@
           <a:p>
             <a:r>
               <a:rPr lang="de-DE" dirty="0" smtClean="0"/>
-              <a:t>Erzielte Lernerfolge</a:t>
+              <a:t>Erzielte </a:t>
+            </a:r>
+            <a:r>
+              <a:rPr lang="de-DE" dirty="0" smtClean="0"/>
+              <a:t>Lernerfolge – Probleme</a:t>
             </a:r>
             <a:endParaRPr lang="de-DE" dirty="0"/>
           </a:p>
@@ -9467,7 +9585,7 @@
     </p:spTree>
     <p:extLst>
       <p:ext uri="{BB962C8B-B14F-4D97-AF65-F5344CB8AC3E}">
-        <p14:creationId xmlns:p14="http://schemas.microsoft.com/office/powerpoint/2010/main" xmlns="" val="3559316145"/>
+        <p14:creationId xmlns:p14="http://schemas.microsoft.com/office/powerpoint/2010/main" val="3559316145"/>
       </p:ext>
     </p:extLst>
   </p:cSld>
@@ -9521,11 +9639,30 @@
           <a:p>
             <a:r>
               <a:rPr lang="de-DE" dirty="0" smtClean="0"/>
-              <a:t>Lernen und kämpfen gegen den anderen </a:t>
-            </a:r>
-            <a:r>
-              <a:rPr lang="de-DE" smtClean="0"/>
-              <a:t>LARC Robot</a:t>
+              <a:t>Lernerfolge realisieren</a:t>
+            </a:r>
+            <a:endParaRPr lang="de-DE" dirty="0" smtClean="0"/>
+          </a:p>
+          <a:p>
+            <a:r>
+              <a:rPr lang="de-DE" dirty="0" smtClean="0"/>
+              <a:t>Lernen </a:t>
+            </a:r>
+            <a:r>
+              <a:rPr lang="de-DE" dirty="0" smtClean="0"/>
+              <a:t>und </a:t>
+            </a:r>
+            <a:r>
+              <a:rPr lang="de-DE" dirty="0" smtClean="0"/>
+              <a:t>Kämpfen </a:t>
+            </a:r>
+            <a:r>
+              <a:rPr lang="de-DE" dirty="0" smtClean="0"/>
+              <a:t>gegen den anderen LARC </a:t>
+            </a:r>
+            <a:r>
+              <a:rPr lang="de-DE" dirty="0" smtClean="0"/>
+              <a:t>Robot</a:t>
             </a:r>
           </a:p>
           <a:p>
@@ -9606,7 +9743,7 @@
     </p:spTree>
     <p:extLst>
       <p:ext uri="{BB962C8B-B14F-4D97-AF65-F5344CB8AC3E}">
-        <p14:creationId xmlns:p14="http://schemas.microsoft.com/office/powerpoint/2010/main" xmlns="" val="583948046"/>
+        <p14:creationId xmlns:p14="http://schemas.microsoft.com/office/powerpoint/2010/main" val="583948046"/>
       </p:ext>
     </p:extLst>
   </p:cSld>
